--- a/questions/1600~1699/1690. 石子游戏 VII/1690. 石子游戏 VII.pptx
+++ b/questions/1600~1699/1690. 石子游戏 VII/1690. 石子游戏 VII.pptx
@@ -5348,7 +5348,7 @@
                 <a:cs typeface="Arial" panose="020B0604020202020204" pitchFamily="34" charset="0"/>
                 <a:sym typeface="+mn-ea"/>
               </a:rPr>
-              <a:t>dp[i,i]=0</a:t>
+              <a:t>dp[i][i]=0</a:t>
             </a:r>
             <a:r>
               <a:rPr>
